--- a/CBP專案/帳單API/帳單退回及作廢API.pptx
+++ b/CBP專案/帳單API/帳單退回及作廢API.pptx
@@ -7,6 +7,8 @@
   <p:sldIdLst>
     <p:sldId id="256" r:id="rId2"/>
     <p:sldId id="257" r:id="rId3"/>
+    <p:sldId id="258" r:id="rId4"/>
+    <p:sldId id="259" r:id="rId5"/>
   </p:sldIdLst>
   <p:sldSz cx="12192000" cy="6858000"/>
   <p:notesSz cx="6858000" cy="9144000"/>
@@ -105,6 +107,11 @@
       </a:defRPr>
     </a:lvl9pPr>
   </p:defaultTextStyle>
+  <p:extLst>
+    <p:ext uri="{EFAFB233-063F-42B5-8137-9DF3F51BA10A}">
+      <p15:sldGuideLst xmlns:p15="http://schemas.microsoft.com/office/powerpoint/2012/main"/>
+    </p:ext>
+  </p:extLst>
 </p:presentation>
 </file>
 
@@ -255,7 +262,7 @@
           <a:p>
             <a:fld id="{BCF3AD43-1DDD-4895-8AE2-A01D4FCDCA90}" type="datetimeFigureOut">
               <a:rPr lang="zh-TW" altLang="en-US" smtClean="0"/>
-              <a:t>2023/5/24</a:t>
+              <a:t>2023/5/29</a:t>
             </a:fld>
             <a:endParaRPr lang="zh-TW" altLang="en-US"/>
           </a:p>
@@ -453,7 +460,7 @@
           <a:p>
             <a:fld id="{BCF3AD43-1DDD-4895-8AE2-A01D4FCDCA90}" type="datetimeFigureOut">
               <a:rPr lang="zh-TW" altLang="en-US" smtClean="0"/>
-              <a:t>2023/5/24</a:t>
+              <a:t>2023/5/29</a:t>
             </a:fld>
             <a:endParaRPr lang="zh-TW" altLang="en-US"/>
           </a:p>
@@ -661,7 +668,7 @@
           <a:p>
             <a:fld id="{BCF3AD43-1DDD-4895-8AE2-A01D4FCDCA90}" type="datetimeFigureOut">
               <a:rPr lang="zh-TW" altLang="en-US" smtClean="0"/>
-              <a:t>2023/5/24</a:t>
+              <a:t>2023/5/29</a:t>
             </a:fld>
             <a:endParaRPr lang="zh-TW" altLang="en-US"/>
           </a:p>
@@ -859,7 +866,7 @@
           <a:p>
             <a:fld id="{BCF3AD43-1DDD-4895-8AE2-A01D4FCDCA90}" type="datetimeFigureOut">
               <a:rPr lang="zh-TW" altLang="en-US" smtClean="0"/>
-              <a:t>2023/5/24</a:t>
+              <a:t>2023/5/29</a:t>
             </a:fld>
             <a:endParaRPr lang="zh-TW" altLang="en-US"/>
           </a:p>
@@ -1134,7 +1141,7 @@
           <a:p>
             <a:fld id="{BCF3AD43-1DDD-4895-8AE2-A01D4FCDCA90}" type="datetimeFigureOut">
               <a:rPr lang="zh-TW" altLang="en-US" smtClean="0"/>
-              <a:t>2023/5/24</a:t>
+              <a:t>2023/5/29</a:t>
             </a:fld>
             <a:endParaRPr lang="zh-TW" altLang="en-US"/>
           </a:p>
@@ -1399,7 +1406,7 @@
           <a:p>
             <a:fld id="{BCF3AD43-1DDD-4895-8AE2-A01D4FCDCA90}" type="datetimeFigureOut">
               <a:rPr lang="zh-TW" altLang="en-US" smtClean="0"/>
-              <a:t>2023/5/24</a:t>
+              <a:t>2023/5/29</a:t>
             </a:fld>
             <a:endParaRPr lang="zh-TW" altLang="en-US"/>
           </a:p>
@@ -1811,7 +1818,7 @@
           <a:p>
             <a:fld id="{BCF3AD43-1DDD-4895-8AE2-A01D4FCDCA90}" type="datetimeFigureOut">
               <a:rPr lang="zh-TW" altLang="en-US" smtClean="0"/>
-              <a:t>2023/5/24</a:t>
+              <a:t>2023/5/29</a:t>
             </a:fld>
             <a:endParaRPr lang="zh-TW" altLang="en-US"/>
           </a:p>
@@ -1952,7 +1959,7 @@
           <a:p>
             <a:fld id="{BCF3AD43-1DDD-4895-8AE2-A01D4FCDCA90}" type="datetimeFigureOut">
               <a:rPr lang="zh-TW" altLang="en-US" smtClean="0"/>
-              <a:t>2023/5/24</a:t>
+              <a:t>2023/5/29</a:t>
             </a:fld>
             <a:endParaRPr lang="zh-TW" altLang="en-US"/>
           </a:p>
@@ -2065,7 +2072,7 @@
           <a:p>
             <a:fld id="{BCF3AD43-1DDD-4895-8AE2-A01D4FCDCA90}" type="datetimeFigureOut">
               <a:rPr lang="zh-TW" altLang="en-US" smtClean="0"/>
-              <a:t>2023/5/24</a:t>
+              <a:t>2023/5/29</a:t>
             </a:fld>
             <a:endParaRPr lang="zh-TW" altLang="en-US"/>
           </a:p>
@@ -2376,7 +2383,7 @@
           <a:p>
             <a:fld id="{BCF3AD43-1DDD-4895-8AE2-A01D4FCDCA90}" type="datetimeFigureOut">
               <a:rPr lang="zh-TW" altLang="en-US" smtClean="0"/>
-              <a:t>2023/5/24</a:t>
+              <a:t>2023/5/29</a:t>
             </a:fld>
             <a:endParaRPr lang="zh-TW" altLang="en-US"/>
           </a:p>
@@ -2664,7 +2671,7 @@
           <a:p>
             <a:fld id="{BCF3AD43-1DDD-4895-8AE2-A01D4FCDCA90}" type="datetimeFigureOut">
               <a:rPr lang="zh-TW" altLang="en-US" smtClean="0"/>
-              <a:t>2023/5/24</a:t>
+              <a:t>2023/5/29</a:t>
             </a:fld>
             <a:endParaRPr lang="zh-TW" altLang="en-US"/>
           </a:p>
@@ -2905,7 +2912,7 @@
           <a:p>
             <a:fld id="{BCF3AD43-1DDD-4895-8AE2-A01D4FCDCA90}" type="datetimeFigureOut">
               <a:rPr lang="zh-TW" altLang="en-US" smtClean="0"/>
-              <a:t>2023/5/24</a:t>
+              <a:t>2023/5/29</a:t>
             </a:fld>
             <a:endParaRPr lang="zh-TW" altLang="en-US"/>
           </a:p>
@@ -3420,19 +3427,306 @@
                 <a:latin typeface="微軟正黑體" panose="020B0604030504040204" pitchFamily="34" charset="-120"/>
                 <a:ea typeface="微軟正黑體" panose="020B0604030504040204" pitchFamily="34" charset="-120"/>
               </a:rPr>
-              <a:t>未</a:t>
-            </a:r>
-            <a:r>
-              <a:rPr lang="zh-TW" altLang="en-US">
+              <a:t>待抵扣帳單退回</a:t>
+            </a:r>
+          </a:p>
+        </p:txBody>
+      </p:sp>
+      <p:sp>
+        <p:nvSpPr>
+          <p:cNvPr id="4" name="文字方塊 3">
+            <a:extLst>
+              <a:ext uri="{FF2B5EF4-FFF2-40B4-BE49-F238E27FC236}">
+                <a16:creationId xmlns:a16="http://schemas.microsoft.com/office/drawing/2014/main" id="{D7965813-B080-4900-AD3A-0265A568D9E7}"/>
+              </a:ext>
+            </a:extLst>
+          </p:cNvPr>
+          <p:cNvSpPr txBox="1"/>
+          <p:nvPr/>
+        </p:nvSpPr>
+        <p:spPr>
+          <a:xfrm>
+            <a:off x="838200" y="3662677"/>
+            <a:ext cx="7840134" cy="1477328"/>
+          </a:xfrm>
+          <a:prstGeom prst="rect">
+            <a:avLst/>
+          </a:prstGeom>
+          <a:noFill/>
+        </p:spPr>
+        <p:txBody>
+          <a:bodyPr wrap="square">
+            <a:spAutoFit/>
+          </a:bodyPr>
+          <a:lstStyle/>
+          <a:p>
+            <a:r>
+              <a:rPr lang="en-US" altLang="zh-TW" sz="1500" dirty="0">
                 <a:latin typeface="微軟正黑體" panose="020B0604030504040204" pitchFamily="34" charset="-120"/>
                 <a:ea typeface="微軟正黑體" panose="020B0604030504040204" pitchFamily="34" charset="-120"/>
               </a:rPr>
-              <a:t>抵扣帳單退回</a:t>
-            </a:r>
-            <a:endParaRPr lang="zh-TW" altLang="en-US" dirty="0">
+              <a:t>URL:</a:t>
+            </a:r>
+            <a:r>
+              <a:rPr lang="zh-TW" altLang="en-US" sz="1500" dirty="0">
+                <a:latin typeface="微軟正黑體" panose="020B0604030504040204" pitchFamily="34" charset="-120"/>
+                <a:ea typeface="微軟正黑體" panose="020B0604030504040204" pitchFamily="34" charset="-120"/>
+              </a:rPr>
+              <a:t> </a:t>
+            </a:r>
+            <a:r>
+              <a:rPr lang="zh-TW" altLang="en-US" sz="1500" dirty="0">
+                <a:solidFill>
+                  <a:srgbClr val="0000FF"/>
+                </a:solidFill>
+                <a:latin typeface="微軟正黑體" panose="020B0604030504040204" pitchFamily="34" charset="-120"/>
+                <a:ea typeface="微軟正黑體" panose="020B0604030504040204" pitchFamily="34" charset="-120"/>
+                <a:hlinkClick r:id="rId2">
+                  <a:extLst>
+                    <a:ext uri="{A12FA001-AC4F-418D-AE19-62706E023703}">
+                      <ahyp:hlinkClr xmlns:ahyp="http://schemas.microsoft.com/office/drawing/2018/hyperlinkcolor" val="tx"/>
+                    </a:ext>
+                  </a:extLst>
+                </a:hlinkClick>
+              </a:rPr>
+              <a:t>http://10.193.130.8:8000/api/v1/returnBillMaster/beforeduction</a:t>
+            </a:r>
+            <a:endParaRPr lang="en-US" altLang="zh-TW" sz="1500" dirty="0">
+              <a:solidFill>
+                <a:srgbClr val="0000FF"/>
+              </a:solidFill>
               <a:latin typeface="微軟正黑體" panose="020B0604030504040204" pitchFamily="34" charset="-120"/>
               <a:ea typeface="微軟正黑體" panose="020B0604030504040204" pitchFamily="34" charset="-120"/>
             </a:endParaRPr>
+          </a:p>
+          <a:p>
+            <a:endParaRPr lang="en-US" altLang="zh-TW" sz="1500" dirty="0">
+              <a:latin typeface="微軟正黑體" panose="020B0604030504040204" pitchFamily="34" charset="-120"/>
+              <a:ea typeface="微軟正黑體" panose="020B0604030504040204" pitchFamily="34" charset="-120"/>
+            </a:endParaRPr>
+          </a:p>
+          <a:p>
+            <a:r>
+              <a:rPr lang="en-US" altLang="zh-TW" sz="1500" dirty="0">
+                <a:latin typeface="微軟正黑體" panose="020B0604030504040204" pitchFamily="34" charset="-120"/>
+                <a:ea typeface="微軟正黑體" panose="020B0604030504040204" pitchFamily="34" charset="-120"/>
+              </a:rPr>
+              <a:t>POST</a:t>
+            </a:r>
+            <a:r>
+              <a:rPr lang="zh-TW" altLang="en-US" sz="1500" dirty="0">
+                <a:latin typeface="微軟正黑體" panose="020B0604030504040204" pitchFamily="34" charset="-120"/>
+                <a:ea typeface="微軟正黑體" panose="020B0604030504040204" pitchFamily="34" charset="-120"/>
+              </a:rPr>
+              <a:t> </a:t>
+            </a:r>
+            <a:r>
+              <a:rPr lang="en-US" altLang="zh-TW" sz="1500" dirty="0">
+                <a:latin typeface="微軟正黑體" panose="020B0604030504040204" pitchFamily="34" charset="-120"/>
+                <a:ea typeface="微軟正黑體" panose="020B0604030504040204" pitchFamily="34" charset="-120"/>
+              </a:rPr>
+              <a:t>Body:</a:t>
+            </a:r>
+          </a:p>
+          <a:p>
+            <a:r>
+              <a:rPr lang="en-US" altLang="zh-TW" sz="1500" dirty="0">
+                <a:solidFill>
+                  <a:srgbClr val="0000FF"/>
+                </a:solidFill>
+                <a:latin typeface="微軟正黑體" panose="020B0604030504040204" pitchFamily="34" charset="-120"/>
+                <a:ea typeface="微軟正黑體" panose="020B0604030504040204" pitchFamily="34" charset="-120"/>
+              </a:rPr>
+              <a:t>{</a:t>
+            </a:r>
+          </a:p>
+          <a:p>
+            <a:r>
+              <a:rPr lang="zh-TW" altLang="en-US" sz="1500" dirty="0">
+                <a:solidFill>
+                  <a:srgbClr val="0000FF"/>
+                </a:solidFill>
+                <a:latin typeface="微軟正黑體" panose="020B0604030504040204" pitchFamily="34" charset="-120"/>
+                <a:ea typeface="微軟正黑體" panose="020B0604030504040204" pitchFamily="34" charset="-120"/>
+              </a:rPr>
+              <a:t>    </a:t>
+            </a:r>
+            <a:r>
+              <a:rPr lang="en-US" altLang="zh-TW" sz="1500" dirty="0">
+                <a:solidFill>
+                  <a:srgbClr val="0000FF"/>
+                </a:solidFill>
+                <a:latin typeface="微軟正黑體" panose="020B0604030504040204" pitchFamily="34" charset="-120"/>
+                <a:ea typeface="微軟正黑體" panose="020B0604030504040204" pitchFamily="34" charset="-120"/>
+              </a:rPr>
+              <a:t>"</a:t>
+            </a:r>
+            <a:r>
+              <a:rPr lang="en-US" altLang="zh-TW" sz="1500" dirty="0" err="1">
+                <a:solidFill>
+                  <a:srgbClr val="0000FF"/>
+                </a:solidFill>
+                <a:latin typeface="微軟正黑體" panose="020B0604030504040204" pitchFamily="34" charset="-120"/>
+                <a:ea typeface="微軟正黑體" panose="020B0604030504040204" pitchFamily="34" charset="-120"/>
+              </a:rPr>
+              <a:t>BillMasterID</a:t>
+            </a:r>
+            <a:r>
+              <a:rPr lang="en-US" altLang="zh-TW" sz="1500" dirty="0">
+                <a:solidFill>
+                  <a:srgbClr val="0000FF"/>
+                </a:solidFill>
+                <a:latin typeface="微軟正黑體" panose="020B0604030504040204" pitchFamily="34" charset="-120"/>
+                <a:ea typeface="微軟正黑體" panose="020B0604030504040204" pitchFamily="34" charset="-120"/>
+              </a:rPr>
+              <a:t>": int</a:t>
+            </a:r>
+          </a:p>
+          <a:p>
+            <a:r>
+              <a:rPr lang="en-US" altLang="zh-TW" sz="1500" dirty="0">
+                <a:solidFill>
+                  <a:srgbClr val="0000FF"/>
+                </a:solidFill>
+                <a:latin typeface="微軟正黑體" panose="020B0604030504040204" pitchFamily="34" charset="-120"/>
+                <a:ea typeface="微軟正黑體" panose="020B0604030504040204" pitchFamily="34" charset="-120"/>
+              </a:rPr>
+              <a:t>}</a:t>
+            </a:r>
+          </a:p>
+        </p:txBody>
+      </p:sp>
+      <p:pic>
+        <p:nvPicPr>
+          <p:cNvPr id="6" name="圖片 5">
+            <a:extLst>
+              <a:ext uri="{FF2B5EF4-FFF2-40B4-BE49-F238E27FC236}">
+                <a16:creationId xmlns:a16="http://schemas.microsoft.com/office/drawing/2014/main" id="{6A08D8C2-3779-4B48-9534-7A4F2381273B}"/>
+              </a:ext>
+            </a:extLst>
+          </p:cNvPr>
+          <p:cNvPicPr>
+            <a:picLocks noChangeAspect="1"/>
+          </p:cNvPicPr>
+          <p:nvPr/>
+        </p:nvPicPr>
+        <p:blipFill>
+          <a:blip r:embed="rId3"/>
+          <a:stretch>
+            <a:fillRect/>
+          </a:stretch>
+        </p:blipFill>
+        <p:spPr>
+          <a:xfrm>
+            <a:off x="809625" y="1606212"/>
+            <a:ext cx="10877550" cy="1671894"/>
+          </a:xfrm>
+          <a:prstGeom prst="rect">
+            <a:avLst/>
+          </a:prstGeom>
+        </p:spPr>
+      </p:pic>
+      <p:sp>
+        <p:nvSpPr>
+          <p:cNvPr id="7" name="矩形 6">
+            <a:extLst>
+              <a:ext uri="{FF2B5EF4-FFF2-40B4-BE49-F238E27FC236}">
+                <a16:creationId xmlns:a16="http://schemas.microsoft.com/office/drawing/2014/main" id="{3A474F96-0249-488B-A1CE-1F3ED537B43C}"/>
+              </a:ext>
+            </a:extLst>
+          </p:cNvPr>
+          <p:cNvSpPr/>
+          <p:nvPr/>
+        </p:nvSpPr>
+        <p:spPr>
+          <a:xfrm>
+            <a:off x="10322719" y="3031331"/>
+            <a:ext cx="459582" cy="185738"/>
+          </a:xfrm>
+          <a:prstGeom prst="rect">
+            <a:avLst/>
+          </a:prstGeom>
+          <a:noFill/>
+          <a:ln>
+            <a:solidFill>
+              <a:srgbClr val="FF0000"/>
+            </a:solidFill>
+          </a:ln>
+        </p:spPr>
+        <p:style>
+          <a:lnRef idx="2">
+            <a:schemeClr val="accent1">
+              <a:shade val="50000"/>
+            </a:schemeClr>
+          </a:lnRef>
+          <a:fillRef idx="1">
+            <a:schemeClr val="accent1"/>
+          </a:fillRef>
+          <a:effectRef idx="0">
+            <a:schemeClr val="accent1"/>
+          </a:effectRef>
+          <a:fontRef idx="minor">
+            <a:schemeClr val="lt1"/>
+          </a:fontRef>
+        </p:style>
+        <p:txBody>
+          <a:bodyPr rtlCol="0" anchor="ctr"/>
+          <a:lstStyle/>
+          <a:p>
+            <a:pPr algn="ctr"/>
+            <a:endParaRPr lang="zh-TW" altLang="en-US"/>
+          </a:p>
+        </p:txBody>
+      </p:sp>
+      <p:sp>
+        <p:nvSpPr>
+          <p:cNvPr id="8" name="矩形 7">
+            <a:extLst>
+              <a:ext uri="{FF2B5EF4-FFF2-40B4-BE49-F238E27FC236}">
+                <a16:creationId xmlns:a16="http://schemas.microsoft.com/office/drawing/2014/main" id="{73A3BA1E-6037-4016-97F1-E61731D82CE9}"/>
+              </a:ext>
+            </a:extLst>
+          </p:cNvPr>
+          <p:cNvSpPr/>
+          <p:nvPr/>
+        </p:nvSpPr>
+        <p:spPr>
+          <a:xfrm>
+            <a:off x="1657614" y="2075259"/>
+            <a:ext cx="400844" cy="190500"/>
+          </a:xfrm>
+          <a:prstGeom prst="rect">
+            <a:avLst/>
+          </a:prstGeom>
+          <a:noFill/>
+          <a:ln>
+            <a:solidFill>
+              <a:srgbClr val="FF0000"/>
+            </a:solidFill>
+          </a:ln>
+        </p:spPr>
+        <p:style>
+          <a:lnRef idx="2">
+            <a:schemeClr val="accent1">
+              <a:shade val="50000"/>
+            </a:schemeClr>
+          </a:lnRef>
+          <a:fillRef idx="1">
+            <a:schemeClr val="accent1"/>
+          </a:fillRef>
+          <a:effectRef idx="0">
+            <a:schemeClr val="accent1"/>
+          </a:effectRef>
+          <a:fontRef idx="minor">
+            <a:schemeClr val="lt1"/>
+          </a:fontRef>
+        </p:style>
+        <p:txBody>
+          <a:bodyPr rtlCol="0" anchor="ctr"/>
+          <a:lstStyle/>
+          <a:p>
+            <a:pPr algn="ctr"/>
+            <a:endParaRPr lang="zh-TW" altLang="en-US"/>
           </a:p>
         </p:txBody>
       </p:sp>
@@ -3440,6 +3734,844 @@
     <p:extLst>
       <p:ext uri="{BB962C8B-B14F-4D97-AF65-F5344CB8AC3E}">
         <p14:creationId xmlns:p14="http://schemas.microsoft.com/office/powerpoint/2010/main" val="1757492459"/>
+      </p:ext>
+    </p:extLst>
+  </p:cSld>
+  <p:clrMapOvr>
+    <a:masterClrMapping/>
+  </p:clrMapOvr>
+</p:sld>
+</file>
+
+<file path=ppt/slides/slide3.xml><?xml version="1.0" encoding="utf-8"?>
+<p:sld xmlns:a="http://schemas.openxmlformats.org/drawingml/2006/main" xmlns:r="http://schemas.openxmlformats.org/officeDocument/2006/relationships" xmlns:p="http://schemas.openxmlformats.org/presentationml/2006/main">
+  <p:cSld>
+    <p:spTree>
+      <p:nvGrpSpPr>
+        <p:cNvPr id="1" name=""/>
+        <p:cNvGrpSpPr/>
+        <p:nvPr/>
+      </p:nvGrpSpPr>
+      <p:grpSpPr>
+        <a:xfrm>
+          <a:off x="0" y="0"/>
+          <a:ext cx="0" cy="0"/>
+          <a:chOff x="0" y="0"/>
+          <a:chExt cx="0" cy="0"/>
+        </a:xfrm>
+      </p:grpSpPr>
+      <p:sp>
+        <p:nvSpPr>
+          <p:cNvPr id="2" name="標題 1">
+            <a:extLst>
+              <a:ext uri="{FF2B5EF4-FFF2-40B4-BE49-F238E27FC236}">
+                <a16:creationId xmlns:a16="http://schemas.microsoft.com/office/drawing/2014/main" id="{A1BFF032-E1FF-4DD5-8BC1-986EEECECC49}"/>
+              </a:ext>
+            </a:extLst>
+          </p:cNvPr>
+          <p:cNvSpPr>
+            <a:spLocks noGrp="1"/>
+          </p:cNvSpPr>
+          <p:nvPr>
+            <p:ph type="title"/>
+          </p:nvPr>
+        </p:nvSpPr>
+        <p:spPr/>
+        <p:txBody>
+          <a:bodyPr/>
+          <a:lstStyle/>
+          <a:p>
+            <a:r>
+              <a:rPr lang="zh-TW" altLang="en-US" dirty="0">
+                <a:latin typeface="微軟正黑體" panose="020B0604030504040204" pitchFamily="34" charset="-120"/>
+                <a:ea typeface="微軟正黑體" panose="020B0604030504040204" pitchFamily="34" charset="-120"/>
+              </a:rPr>
+              <a:t>已抵扣帳單退回</a:t>
+            </a:r>
+          </a:p>
+        </p:txBody>
+      </p:sp>
+      <p:sp>
+        <p:nvSpPr>
+          <p:cNvPr id="4" name="文字方塊 3">
+            <a:extLst>
+              <a:ext uri="{FF2B5EF4-FFF2-40B4-BE49-F238E27FC236}">
+                <a16:creationId xmlns:a16="http://schemas.microsoft.com/office/drawing/2014/main" id="{D7965813-B080-4900-AD3A-0265A568D9E7}"/>
+              </a:ext>
+            </a:extLst>
+          </p:cNvPr>
+          <p:cNvSpPr txBox="1"/>
+          <p:nvPr/>
+        </p:nvSpPr>
+        <p:spPr>
+          <a:xfrm>
+            <a:off x="978958" y="3886808"/>
+            <a:ext cx="7840134" cy="1477328"/>
+          </a:xfrm>
+          <a:prstGeom prst="rect">
+            <a:avLst/>
+          </a:prstGeom>
+          <a:noFill/>
+        </p:spPr>
+        <p:txBody>
+          <a:bodyPr wrap="square">
+            <a:spAutoFit/>
+          </a:bodyPr>
+          <a:lstStyle/>
+          <a:p>
+            <a:r>
+              <a:rPr lang="en-US" altLang="zh-TW" sz="1500" dirty="0">
+                <a:latin typeface="微軟正黑體" panose="020B0604030504040204" pitchFamily="34" charset="-120"/>
+                <a:ea typeface="微軟正黑體" panose="020B0604030504040204" pitchFamily="34" charset="-120"/>
+              </a:rPr>
+              <a:t>URL:</a:t>
+            </a:r>
+            <a:r>
+              <a:rPr lang="zh-TW" altLang="en-US" sz="1500" dirty="0">
+                <a:latin typeface="微軟正黑體" panose="020B0604030504040204" pitchFamily="34" charset="-120"/>
+                <a:ea typeface="微軟正黑體" panose="020B0604030504040204" pitchFamily="34" charset="-120"/>
+              </a:rPr>
+              <a:t> </a:t>
+            </a:r>
+            <a:r>
+              <a:rPr lang="en-US" altLang="zh-TW" sz="1500" dirty="0">
+                <a:solidFill>
+                  <a:srgbClr val="0000FF"/>
+                </a:solidFill>
+                <a:latin typeface="微軟正黑體" panose="020B0604030504040204" pitchFamily="34" charset="-120"/>
+                <a:ea typeface="微軟正黑體" panose="020B0604030504040204" pitchFamily="34" charset="-120"/>
+                <a:hlinkClick r:id="rId2">
+                  <a:extLst>
+                    <a:ext uri="{A12FA001-AC4F-418D-AE19-62706E023703}">
+                      <ahyp:hlinkClr xmlns:ahyp="http://schemas.microsoft.com/office/drawing/2018/hyperlinkcolor" val="tx"/>
+                    </a:ext>
+                  </a:extLst>
+                </a:hlinkClick>
+              </a:rPr>
+              <a:t>http://10.193.130.8:8000/api/v1/returnBillMaster/afterdeduction</a:t>
+            </a:r>
+            <a:endParaRPr lang="en-US" altLang="zh-TW" sz="1500" dirty="0">
+              <a:solidFill>
+                <a:srgbClr val="0000FF"/>
+              </a:solidFill>
+              <a:latin typeface="微軟正黑體" panose="020B0604030504040204" pitchFamily="34" charset="-120"/>
+              <a:ea typeface="微軟正黑體" panose="020B0604030504040204" pitchFamily="34" charset="-120"/>
+            </a:endParaRPr>
+          </a:p>
+          <a:p>
+            <a:endParaRPr lang="en-US" altLang="zh-TW" sz="1500" dirty="0">
+              <a:latin typeface="微軟正黑體" panose="020B0604030504040204" pitchFamily="34" charset="-120"/>
+              <a:ea typeface="微軟正黑體" panose="020B0604030504040204" pitchFamily="34" charset="-120"/>
+            </a:endParaRPr>
+          </a:p>
+          <a:p>
+            <a:r>
+              <a:rPr lang="en-US" altLang="zh-TW" sz="1500" dirty="0">
+                <a:latin typeface="微軟正黑體" panose="020B0604030504040204" pitchFamily="34" charset="-120"/>
+                <a:ea typeface="微軟正黑體" panose="020B0604030504040204" pitchFamily="34" charset="-120"/>
+              </a:rPr>
+              <a:t>POST</a:t>
+            </a:r>
+            <a:r>
+              <a:rPr lang="zh-TW" altLang="en-US" sz="1500" dirty="0">
+                <a:latin typeface="微軟正黑體" panose="020B0604030504040204" pitchFamily="34" charset="-120"/>
+                <a:ea typeface="微軟正黑體" panose="020B0604030504040204" pitchFamily="34" charset="-120"/>
+              </a:rPr>
+              <a:t> </a:t>
+            </a:r>
+            <a:r>
+              <a:rPr lang="en-US" altLang="zh-TW" sz="1500" dirty="0">
+                <a:latin typeface="微軟正黑體" panose="020B0604030504040204" pitchFamily="34" charset="-120"/>
+                <a:ea typeface="微軟正黑體" panose="020B0604030504040204" pitchFamily="34" charset="-120"/>
+              </a:rPr>
+              <a:t>Body:</a:t>
+            </a:r>
+          </a:p>
+          <a:p>
+            <a:r>
+              <a:rPr lang="en-US" altLang="zh-TW" sz="1500" dirty="0">
+                <a:solidFill>
+                  <a:srgbClr val="0000FF"/>
+                </a:solidFill>
+                <a:latin typeface="微軟正黑體" panose="020B0604030504040204" pitchFamily="34" charset="-120"/>
+                <a:ea typeface="微軟正黑體" panose="020B0604030504040204" pitchFamily="34" charset="-120"/>
+              </a:rPr>
+              <a:t>{</a:t>
+            </a:r>
+          </a:p>
+          <a:p>
+            <a:r>
+              <a:rPr lang="zh-TW" altLang="en-US" sz="1500" dirty="0">
+                <a:solidFill>
+                  <a:srgbClr val="0000FF"/>
+                </a:solidFill>
+                <a:latin typeface="微軟正黑體" panose="020B0604030504040204" pitchFamily="34" charset="-120"/>
+                <a:ea typeface="微軟正黑體" panose="020B0604030504040204" pitchFamily="34" charset="-120"/>
+              </a:rPr>
+              <a:t>    </a:t>
+            </a:r>
+            <a:r>
+              <a:rPr lang="en-US" altLang="zh-TW" sz="1500" dirty="0">
+                <a:solidFill>
+                  <a:srgbClr val="0000FF"/>
+                </a:solidFill>
+                <a:latin typeface="微軟正黑體" panose="020B0604030504040204" pitchFamily="34" charset="-120"/>
+                <a:ea typeface="微軟正黑體" panose="020B0604030504040204" pitchFamily="34" charset="-120"/>
+              </a:rPr>
+              <a:t>"</a:t>
+            </a:r>
+            <a:r>
+              <a:rPr lang="en-US" altLang="zh-TW" sz="1500" dirty="0" err="1">
+                <a:solidFill>
+                  <a:srgbClr val="0000FF"/>
+                </a:solidFill>
+                <a:latin typeface="微軟正黑體" panose="020B0604030504040204" pitchFamily="34" charset="-120"/>
+                <a:ea typeface="微軟正黑體" panose="020B0604030504040204" pitchFamily="34" charset="-120"/>
+              </a:rPr>
+              <a:t>BillMasterID</a:t>
+            </a:r>
+            <a:r>
+              <a:rPr lang="en-US" altLang="zh-TW" sz="1500" dirty="0">
+                <a:solidFill>
+                  <a:srgbClr val="0000FF"/>
+                </a:solidFill>
+                <a:latin typeface="微軟正黑體" panose="020B0604030504040204" pitchFamily="34" charset="-120"/>
+                <a:ea typeface="微軟正黑體" panose="020B0604030504040204" pitchFamily="34" charset="-120"/>
+              </a:rPr>
+              <a:t>": int</a:t>
+            </a:r>
+          </a:p>
+          <a:p>
+            <a:r>
+              <a:rPr lang="en-US" altLang="zh-TW" sz="1500" dirty="0">
+                <a:solidFill>
+                  <a:srgbClr val="0000FF"/>
+                </a:solidFill>
+                <a:latin typeface="微軟正黑體" panose="020B0604030504040204" pitchFamily="34" charset="-120"/>
+                <a:ea typeface="微軟正黑體" panose="020B0604030504040204" pitchFamily="34" charset="-120"/>
+              </a:rPr>
+              <a:t>}</a:t>
+            </a:r>
+          </a:p>
+        </p:txBody>
+      </p:sp>
+      <p:pic>
+        <p:nvPicPr>
+          <p:cNvPr id="5" name="圖片 4">
+            <a:extLst>
+              <a:ext uri="{FF2B5EF4-FFF2-40B4-BE49-F238E27FC236}">
+                <a16:creationId xmlns:a16="http://schemas.microsoft.com/office/drawing/2014/main" id="{09EC93C1-2AC6-49E6-A5D9-5F1B0DA1AA28}"/>
+              </a:ext>
+            </a:extLst>
+          </p:cNvPr>
+          <p:cNvPicPr>
+            <a:picLocks noChangeAspect="1"/>
+          </p:cNvPicPr>
+          <p:nvPr/>
+        </p:nvPicPr>
+        <p:blipFill>
+          <a:blip r:embed="rId3"/>
+          <a:stretch>
+            <a:fillRect/>
+          </a:stretch>
+        </p:blipFill>
+        <p:spPr>
+          <a:xfrm>
+            <a:off x="909425" y="1736989"/>
+            <a:ext cx="10258108" cy="1692011"/>
+          </a:xfrm>
+          <a:prstGeom prst="rect">
+            <a:avLst/>
+          </a:prstGeom>
+        </p:spPr>
+      </p:pic>
+      <p:sp>
+        <p:nvSpPr>
+          <p:cNvPr id="7" name="矩形 6">
+            <a:extLst>
+              <a:ext uri="{FF2B5EF4-FFF2-40B4-BE49-F238E27FC236}">
+                <a16:creationId xmlns:a16="http://schemas.microsoft.com/office/drawing/2014/main" id="{3A474F96-0249-488B-A1CE-1F3ED537B43C}"/>
+              </a:ext>
+            </a:extLst>
+          </p:cNvPr>
+          <p:cNvSpPr/>
+          <p:nvPr/>
+        </p:nvSpPr>
+        <p:spPr>
+          <a:xfrm>
+            <a:off x="9895681" y="3159203"/>
+            <a:ext cx="400844" cy="190500"/>
+          </a:xfrm>
+          <a:prstGeom prst="rect">
+            <a:avLst/>
+          </a:prstGeom>
+          <a:noFill/>
+          <a:ln>
+            <a:solidFill>
+              <a:srgbClr val="FF0000"/>
+            </a:solidFill>
+          </a:ln>
+        </p:spPr>
+        <p:style>
+          <a:lnRef idx="2">
+            <a:schemeClr val="accent1">
+              <a:shade val="50000"/>
+            </a:schemeClr>
+          </a:lnRef>
+          <a:fillRef idx="1">
+            <a:schemeClr val="accent1"/>
+          </a:fillRef>
+          <a:effectRef idx="0">
+            <a:schemeClr val="accent1"/>
+          </a:effectRef>
+          <a:fontRef idx="minor">
+            <a:schemeClr val="lt1"/>
+          </a:fontRef>
+        </p:style>
+        <p:txBody>
+          <a:bodyPr rtlCol="0" anchor="ctr"/>
+          <a:lstStyle/>
+          <a:p>
+            <a:pPr algn="ctr"/>
+            <a:endParaRPr lang="zh-TW" altLang="en-US"/>
+          </a:p>
+        </p:txBody>
+      </p:sp>
+      <p:sp>
+        <p:nvSpPr>
+          <p:cNvPr id="8" name="矩形 7">
+            <a:extLst>
+              <a:ext uri="{FF2B5EF4-FFF2-40B4-BE49-F238E27FC236}">
+                <a16:creationId xmlns:a16="http://schemas.microsoft.com/office/drawing/2014/main" id="{FF96A8E8-C253-4F2E-893F-89AA1F536012}"/>
+              </a:ext>
+            </a:extLst>
+          </p:cNvPr>
+          <p:cNvSpPr/>
+          <p:nvPr/>
+        </p:nvSpPr>
+        <p:spPr>
+          <a:xfrm>
+            <a:off x="2267215" y="2194797"/>
+            <a:ext cx="400844" cy="190500"/>
+          </a:xfrm>
+          <a:prstGeom prst="rect">
+            <a:avLst/>
+          </a:prstGeom>
+          <a:noFill/>
+          <a:ln>
+            <a:solidFill>
+              <a:srgbClr val="FF0000"/>
+            </a:solidFill>
+          </a:ln>
+        </p:spPr>
+        <p:style>
+          <a:lnRef idx="2">
+            <a:schemeClr val="accent1">
+              <a:shade val="50000"/>
+            </a:schemeClr>
+          </a:lnRef>
+          <a:fillRef idx="1">
+            <a:schemeClr val="accent1"/>
+          </a:fillRef>
+          <a:effectRef idx="0">
+            <a:schemeClr val="accent1"/>
+          </a:effectRef>
+          <a:fontRef idx="minor">
+            <a:schemeClr val="lt1"/>
+          </a:fontRef>
+        </p:style>
+        <p:txBody>
+          <a:bodyPr rtlCol="0" anchor="ctr"/>
+          <a:lstStyle/>
+          <a:p>
+            <a:pPr algn="ctr"/>
+            <a:endParaRPr lang="zh-TW" altLang="en-US"/>
+          </a:p>
+        </p:txBody>
+      </p:sp>
+      <p:sp>
+        <p:nvSpPr>
+          <p:cNvPr id="9" name="矩形 8">
+            <a:extLst>
+              <a:ext uri="{FF2B5EF4-FFF2-40B4-BE49-F238E27FC236}">
+                <a16:creationId xmlns:a16="http://schemas.microsoft.com/office/drawing/2014/main" id="{F8784477-F2C5-4704-BBEF-B4C80285A2B5}"/>
+              </a:ext>
+            </a:extLst>
+          </p:cNvPr>
+          <p:cNvSpPr/>
+          <p:nvPr/>
+        </p:nvSpPr>
+        <p:spPr>
+          <a:xfrm>
+            <a:off x="8585201" y="2827867"/>
+            <a:ext cx="1282700" cy="521836"/>
+          </a:xfrm>
+          <a:prstGeom prst="rect">
+            <a:avLst/>
+          </a:prstGeom>
+          <a:solidFill>
+            <a:srgbClr val="FFFFFF"/>
+          </a:solidFill>
+          <a:ln>
+            <a:solidFill>
+              <a:srgbClr val="FFFFFF"/>
+            </a:solidFill>
+          </a:ln>
+        </p:spPr>
+        <p:style>
+          <a:lnRef idx="2">
+            <a:schemeClr val="accent1">
+              <a:shade val="50000"/>
+            </a:schemeClr>
+          </a:lnRef>
+          <a:fillRef idx="1">
+            <a:schemeClr val="accent1"/>
+          </a:fillRef>
+          <a:effectRef idx="0">
+            <a:schemeClr val="accent1"/>
+          </a:effectRef>
+          <a:fontRef idx="minor">
+            <a:schemeClr val="lt1"/>
+          </a:fontRef>
+        </p:style>
+        <p:txBody>
+          <a:bodyPr rtlCol="0" anchor="ctr"/>
+          <a:lstStyle/>
+          <a:p>
+            <a:pPr algn="ctr"/>
+            <a:endParaRPr lang="zh-TW" altLang="en-US"/>
+          </a:p>
+        </p:txBody>
+      </p:sp>
+      <p:sp>
+        <p:nvSpPr>
+          <p:cNvPr id="10" name="矩形 9">
+            <a:extLst>
+              <a:ext uri="{FF2B5EF4-FFF2-40B4-BE49-F238E27FC236}">
+                <a16:creationId xmlns:a16="http://schemas.microsoft.com/office/drawing/2014/main" id="{0666F5B7-69CE-411A-88FC-CABA28343295}"/>
+              </a:ext>
+            </a:extLst>
+          </p:cNvPr>
+          <p:cNvSpPr/>
+          <p:nvPr/>
+        </p:nvSpPr>
+        <p:spPr>
+          <a:xfrm>
+            <a:off x="10324305" y="2827867"/>
+            <a:ext cx="623888" cy="521836"/>
+          </a:xfrm>
+          <a:prstGeom prst="rect">
+            <a:avLst/>
+          </a:prstGeom>
+          <a:solidFill>
+            <a:srgbClr val="FFFFFF"/>
+          </a:solidFill>
+          <a:ln>
+            <a:solidFill>
+              <a:srgbClr val="FFFFFF"/>
+            </a:solidFill>
+          </a:ln>
+        </p:spPr>
+        <p:style>
+          <a:lnRef idx="2">
+            <a:schemeClr val="accent1">
+              <a:shade val="50000"/>
+            </a:schemeClr>
+          </a:lnRef>
+          <a:fillRef idx="1">
+            <a:schemeClr val="accent1"/>
+          </a:fillRef>
+          <a:effectRef idx="0">
+            <a:schemeClr val="accent1"/>
+          </a:effectRef>
+          <a:fontRef idx="minor">
+            <a:schemeClr val="lt1"/>
+          </a:fontRef>
+        </p:style>
+        <p:txBody>
+          <a:bodyPr rtlCol="0" anchor="ctr"/>
+          <a:lstStyle/>
+          <a:p>
+            <a:pPr algn="ctr"/>
+            <a:endParaRPr lang="zh-TW" altLang="en-US"/>
+          </a:p>
+        </p:txBody>
+      </p:sp>
+    </p:spTree>
+    <p:extLst>
+      <p:ext uri="{BB962C8B-B14F-4D97-AF65-F5344CB8AC3E}">
+        <p14:creationId xmlns:p14="http://schemas.microsoft.com/office/powerpoint/2010/main" val="1000353122"/>
+      </p:ext>
+    </p:extLst>
+  </p:cSld>
+  <p:clrMapOvr>
+    <a:masterClrMapping/>
+  </p:clrMapOvr>
+</p:sld>
+</file>
+
+<file path=ppt/slides/slide4.xml><?xml version="1.0" encoding="utf-8"?>
+<p:sld xmlns:a="http://schemas.openxmlformats.org/drawingml/2006/main" xmlns:r="http://schemas.openxmlformats.org/officeDocument/2006/relationships" xmlns:p="http://schemas.openxmlformats.org/presentationml/2006/main">
+  <p:cSld>
+    <p:spTree>
+      <p:nvGrpSpPr>
+        <p:cNvPr id="1" name=""/>
+        <p:cNvGrpSpPr/>
+        <p:nvPr/>
+      </p:nvGrpSpPr>
+      <p:grpSpPr>
+        <a:xfrm>
+          <a:off x="0" y="0"/>
+          <a:ext cx="0" cy="0"/>
+          <a:chOff x="0" y="0"/>
+          <a:chExt cx="0" cy="0"/>
+        </a:xfrm>
+      </p:grpSpPr>
+      <p:sp>
+        <p:nvSpPr>
+          <p:cNvPr id="2" name="標題 1">
+            <a:extLst>
+              <a:ext uri="{FF2B5EF4-FFF2-40B4-BE49-F238E27FC236}">
+                <a16:creationId xmlns:a16="http://schemas.microsoft.com/office/drawing/2014/main" id="{A1BFF032-E1FF-4DD5-8BC1-986EEECECC49}"/>
+              </a:ext>
+            </a:extLst>
+          </p:cNvPr>
+          <p:cNvSpPr>
+            <a:spLocks noGrp="1"/>
+          </p:cNvSpPr>
+          <p:nvPr>
+            <p:ph type="title"/>
+          </p:nvPr>
+        </p:nvSpPr>
+        <p:spPr/>
+        <p:txBody>
+          <a:bodyPr/>
+          <a:lstStyle/>
+          <a:p>
+            <a:r>
+              <a:rPr lang="zh-TW" altLang="en-US" dirty="0">
+                <a:latin typeface="微軟正黑體" panose="020B0604030504040204" pitchFamily="34" charset="-120"/>
+                <a:ea typeface="微軟正黑體" panose="020B0604030504040204" pitchFamily="34" charset="-120"/>
+              </a:rPr>
+              <a:t>已簽核帳單作廢</a:t>
+            </a:r>
+          </a:p>
+        </p:txBody>
+      </p:sp>
+      <p:sp>
+        <p:nvSpPr>
+          <p:cNvPr id="4" name="文字方塊 3">
+            <a:extLst>
+              <a:ext uri="{FF2B5EF4-FFF2-40B4-BE49-F238E27FC236}">
+                <a16:creationId xmlns:a16="http://schemas.microsoft.com/office/drawing/2014/main" id="{D7965813-B080-4900-AD3A-0265A568D9E7}"/>
+              </a:ext>
+            </a:extLst>
+          </p:cNvPr>
+          <p:cNvSpPr txBox="1"/>
+          <p:nvPr/>
+        </p:nvSpPr>
+        <p:spPr>
+          <a:xfrm>
+            <a:off x="978958" y="4132418"/>
+            <a:ext cx="7840134" cy="1708160"/>
+          </a:xfrm>
+          <a:prstGeom prst="rect">
+            <a:avLst/>
+          </a:prstGeom>
+          <a:noFill/>
+        </p:spPr>
+        <p:txBody>
+          <a:bodyPr wrap="square">
+            <a:spAutoFit/>
+          </a:bodyPr>
+          <a:lstStyle/>
+          <a:p>
+            <a:r>
+              <a:rPr lang="en-US" altLang="zh-TW" sz="1500" dirty="0">
+                <a:latin typeface="微軟正黑體" panose="020B0604030504040204" pitchFamily="34" charset="-120"/>
+                <a:ea typeface="微軟正黑體" panose="020B0604030504040204" pitchFamily="34" charset="-120"/>
+              </a:rPr>
+              <a:t>URL:</a:t>
+            </a:r>
+            <a:r>
+              <a:rPr lang="zh-TW" altLang="en-US" sz="1500" dirty="0">
+                <a:latin typeface="微軟正黑體" panose="020B0604030504040204" pitchFamily="34" charset="-120"/>
+                <a:ea typeface="微軟正黑體" panose="020B0604030504040204" pitchFamily="34" charset="-120"/>
+              </a:rPr>
+              <a:t> </a:t>
+            </a:r>
+            <a:r>
+              <a:rPr lang="en-US" altLang="zh-TW" sz="1500" dirty="0">
+                <a:solidFill>
+                  <a:srgbClr val="0000FF"/>
+                </a:solidFill>
+                <a:latin typeface="微軟正黑體" panose="020B0604030504040204" pitchFamily="34" charset="-120"/>
+                <a:ea typeface="微軟正黑體" panose="020B0604030504040204" pitchFamily="34" charset="-120"/>
+                <a:hlinkClick r:id="rId2">
+                  <a:extLst>
+                    <a:ext uri="{A12FA001-AC4F-418D-AE19-62706E023703}">
+                      <ahyp:hlinkClr xmlns:ahyp="http://schemas.microsoft.com/office/drawing/2018/hyperlinkcolor" val="tx"/>
+                    </a:ext>
+                  </a:extLst>
+                </a:hlinkClick>
+              </a:rPr>
+              <a:t>http://10.193.130.8:8000/api/v1/invalidBillMaster/signed</a:t>
+            </a:r>
+            <a:endParaRPr lang="en-US" altLang="zh-TW" sz="1500" dirty="0">
+              <a:solidFill>
+                <a:srgbClr val="0000FF"/>
+              </a:solidFill>
+              <a:latin typeface="微軟正黑體" panose="020B0604030504040204" pitchFamily="34" charset="-120"/>
+              <a:ea typeface="微軟正黑體" panose="020B0604030504040204" pitchFamily="34" charset="-120"/>
+            </a:endParaRPr>
+          </a:p>
+          <a:p>
+            <a:endParaRPr lang="en-US" altLang="zh-TW" sz="1500" dirty="0">
+              <a:latin typeface="微軟正黑體" panose="020B0604030504040204" pitchFamily="34" charset="-120"/>
+              <a:ea typeface="微軟正黑體" panose="020B0604030504040204" pitchFamily="34" charset="-120"/>
+            </a:endParaRPr>
+          </a:p>
+          <a:p>
+            <a:r>
+              <a:rPr lang="en-US" altLang="zh-TW" sz="1500" dirty="0">
+                <a:latin typeface="微軟正黑體" panose="020B0604030504040204" pitchFamily="34" charset="-120"/>
+                <a:ea typeface="微軟正黑體" panose="020B0604030504040204" pitchFamily="34" charset="-120"/>
+              </a:rPr>
+              <a:t>POST</a:t>
+            </a:r>
+            <a:r>
+              <a:rPr lang="zh-TW" altLang="en-US" sz="1500" dirty="0">
+                <a:latin typeface="微軟正黑體" panose="020B0604030504040204" pitchFamily="34" charset="-120"/>
+                <a:ea typeface="微軟正黑體" panose="020B0604030504040204" pitchFamily="34" charset="-120"/>
+              </a:rPr>
+              <a:t> </a:t>
+            </a:r>
+            <a:r>
+              <a:rPr lang="en-US" altLang="zh-TW" sz="1500" dirty="0">
+                <a:latin typeface="微軟正黑體" panose="020B0604030504040204" pitchFamily="34" charset="-120"/>
+                <a:ea typeface="微軟正黑體" panose="020B0604030504040204" pitchFamily="34" charset="-120"/>
+              </a:rPr>
+              <a:t>Body:</a:t>
+            </a:r>
+          </a:p>
+          <a:p>
+            <a:r>
+              <a:rPr lang="en-US" altLang="zh-TW" sz="1500" dirty="0">
+                <a:solidFill>
+                  <a:srgbClr val="0000FF"/>
+                </a:solidFill>
+                <a:latin typeface="微軟正黑體" panose="020B0604030504040204" pitchFamily="34" charset="-120"/>
+                <a:ea typeface="微軟正黑體" panose="020B0604030504040204" pitchFamily="34" charset="-120"/>
+              </a:rPr>
+              <a:t>{</a:t>
+            </a:r>
+          </a:p>
+          <a:p>
+            <a:r>
+              <a:rPr lang="zh-TW" altLang="en-US" sz="1500" dirty="0">
+                <a:solidFill>
+                  <a:srgbClr val="0000FF"/>
+                </a:solidFill>
+                <a:latin typeface="微軟正黑體" panose="020B0604030504040204" pitchFamily="34" charset="-120"/>
+                <a:ea typeface="微軟正黑體" panose="020B0604030504040204" pitchFamily="34" charset="-120"/>
+              </a:rPr>
+              <a:t>    </a:t>
+            </a:r>
+            <a:r>
+              <a:rPr lang="en-US" altLang="zh-TW" sz="1500" dirty="0">
+                <a:solidFill>
+                  <a:srgbClr val="0000FF"/>
+                </a:solidFill>
+                <a:latin typeface="微軟正黑體" panose="020B0604030504040204" pitchFamily="34" charset="-120"/>
+                <a:ea typeface="微軟正黑體" panose="020B0604030504040204" pitchFamily="34" charset="-120"/>
+              </a:rPr>
+              <a:t>"</a:t>
+            </a:r>
+            <a:r>
+              <a:rPr lang="en-US" altLang="zh-TW" sz="1500" dirty="0" err="1">
+                <a:solidFill>
+                  <a:srgbClr val="0000FF"/>
+                </a:solidFill>
+                <a:latin typeface="微軟正黑體" panose="020B0604030504040204" pitchFamily="34" charset="-120"/>
+                <a:ea typeface="微軟正黑體" panose="020B0604030504040204" pitchFamily="34" charset="-120"/>
+              </a:rPr>
+              <a:t>BillMasterID</a:t>
+            </a:r>
+            <a:r>
+              <a:rPr lang="en-US" altLang="zh-TW" sz="1500" dirty="0">
+                <a:solidFill>
+                  <a:srgbClr val="0000FF"/>
+                </a:solidFill>
+                <a:latin typeface="微軟正黑體" panose="020B0604030504040204" pitchFamily="34" charset="-120"/>
+                <a:ea typeface="微軟正黑體" panose="020B0604030504040204" pitchFamily="34" charset="-120"/>
+              </a:rPr>
+              <a:t>": int,</a:t>
+            </a:r>
+          </a:p>
+          <a:p>
+            <a:r>
+              <a:rPr lang="en-US" altLang="zh-TW" sz="1500" dirty="0">
+                <a:solidFill>
+                  <a:srgbClr val="0000FF"/>
+                </a:solidFill>
+                <a:latin typeface="微軟正黑體" panose="020B0604030504040204" pitchFamily="34" charset="-120"/>
+                <a:ea typeface="微軟正黑體" panose="020B0604030504040204" pitchFamily="34" charset="-120"/>
+              </a:rPr>
+              <a:t>    "Note": str</a:t>
+            </a:r>
+          </a:p>
+          <a:p>
+            <a:r>
+              <a:rPr lang="en-US" altLang="zh-TW" sz="1500" dirty="0">
+                <a:solidFill>
+                  <a:srgbClr val="0000FF"/>
+                </a:solidFill>
+                <a:latin typeface="微軟正黑體" panose="020B0604030504040204" pitchFamily="34" charset="-120"/>
+                <a:ea typeface="微軟正黑體" panose="020B0604030504040204" pitchFamily="34" charset="-120"/>
+              </a:rPr>
+              <a:t>}</a:t>
+            </a:r>
+          </a:p>
+        </p:txBody>
+      </p:sp>
+      <p:pic>
+        <p:nvPicPr>
+          <p:cNvPr id="5" name="圖片 4">
+            <a:extLst>
+              <a:ext uri="{FF2B5EF4-FFF2-40B4-BE49-F238E27FC236}">
+                <a16:creationId xmlns:a16="http://schemas.microsoft.com/office/drawing/2014/main" id="{68BB8AED-6F95-4ACC-9346-A5EAD8B37C0D}"/>
+              </a:ext>
+            </a:extLst>
+          </p:cNvPr>
+          <p:cNvPicPr>
+            <a:picLocks noChangeAspect="1"/>
+          </p:cNvPicPr>
+          <p:nvPr/>
+        </p:nvPicPr>
+        <p:blipFill>
+          <a:blip r:embed="rId3"/>
+          <a:stretch>
+            <a:fillRect/>
+          </a:stretch>
+        </p:blipFill>
+        <p:spPr>
+          <a:xfrm>
+            <a:off x="838200" y="1881188"/>
+            <a:ext cx="10185400" cy="1789425"/>
+          </a:xfrm>
+          <a:prstGeom prst="rect">
+            <a:avLst/>
+          </a:prstGeom>
+        </p:spPr>
+      </p:pic>
+      <p:sp>
+        <p:nvSpPr>
+          <p:cNvPr id="15" name="矩形 14">
+            <a:extLst>
+              <a:ext uri="{FF2B5EF4-FFF2-40B4-BE49-F238E27FC236}">
+                <a16:creationId xmlns:a16="http://schemas.microsoft.com/office/drawing/2014/main" id="{4001799B-84A8-4225-B3BA-634BB32D286D}"/>
+              </a:ext>
+            </a:extLst>
+          </p:cNvPr>
+          <p:cNvSpPr/>
+          <p:nvPr/>
+        </p:nvSpPr>
+        <p:spPr>
+          <a:xfrm>
+            <a:off x="10158147" y="3412331"/>
+            <a:ext cx="464609" cy="176213"/>
+          </a:xfrm>
+          <a:prstGeom prst="rect">
+            <a:avLst/>
+          </a:prstGeom>
+          <a:noFill/>
+          <a:ln>
+            <a:solidFill>
+              <a:srgbClr val="FF0000"/>
+            </a:solidFill>
+          </a:ln>
+        </p:spPr>
+        <p:style>
+          <a:lnRef idx="2">
+            <a:schemeClr val="accent1">
+              <a:shade val="50000"/>
+            </a:schemeClr>
+          </a:lnRef>
+          <a:fillRef idx="1">
+            <a:schemeClr val="accent1"/>
+          </a:fillRef>
+          <a:effectRef idx="0">
+            <a:schemeClr val="accent1"/>
+          </a:effectRef>
+          <a:fontRef idx="minor">
+            <a:schemeClr val="lt1"/>
+          </a:fontRef>
+        </p:style>
+        <p:txBody>
+          <a:bodyPr rtlCol="0" anchor="ctr"/>
+          <a:lstStyle/>
+          <a:p>
+            <a:pPr algn="ctr"/>
+            <a:endParaRPr lang="zh-TW" altLang="en-US"/>
+          </a:p>
+        </p:txBody>
+      </p:sp>
+      <p:sp>
+        <p:nvSpPr>
+          <p:cNvPr id="16" name="矩形 15">
+            <a:extLst>
+              <a:ext uri="{FF2B5EF4-FFF2-40B4-BE49-F238E27FC236}">
+                <a16:creationId xmlns:a16="http://schemas.microsoft.com/office/drawing/2014/main" id="{ECA38CAC-B6A7-4568-B08A-FEF3FECF5C1C}"/>
+              </a:ext>
+            </a:extLst>
+          </p:cNvPr>
+          <p:cNvSpPr/>
+          <p:nvPr/>
+        </p:nvSpPr>
+        <p:spPr>
+          <a:xfrm>
+            <a:off x="2774367" y="2398871"/>
+            <a:ext cx="464609" cy="176213"/>
+          </a:xfrm>
+          <a:prstGeom prst="rect">
+            <a:avLst/>
+          </a:prstGeom>
+          <a:noFill/>
+          <a:ln>
+            <a:solidFill>
+              <a:srgbClr val="FF0000"/>
+            </a:solidFill>
+          </a:ln>
+        </p:spPr>
+        <p:style>
+          <a:lnRef idx="2">
+            <a:schemeClr val="accent1">
+              <a:shade val="50000"/>
+            </a:schemeClr>
+          </a:lnRef>
+          <a:fillRef idx="1">
+            <a:schemeClr val="accent1"/>
+          </a:fillRef>
+          <a:effectRef idx="0">
+            <a:schemeClr val="accent1"/>
+          </a:effectRef>
+          <a:fontRef idx="minor">
+            <a:schemeClr val="lt1"/>
+          </a:fontRef>
+        </p:style>
+        <p:txBody>
+          <a:bodyPr rtlCol="0" anchor="ctr"/>
+          <a:lstStyle/>
+          <a:p>
+            <a:pPr algn="ctr"/>
+            <a:endParaRPr lang="zh-TW" altLang="en-US"/>
+          </a:p>
+        </p:txBody>
+      </p:sp>
+    </p:spTree>
+    <p:extLst>
+      <p:ext uri="{BB962C8B-B14F-4D97-AF65-F5344CB8AC3E}">
+        <p14:creationId xmlns:p14="http://schemas.microsoft.com/office/powerpoint/2010/main" val="2423548506"/>
       </p:ext>
     </p:extLst>
   </p:cSld>
